--- a/ tsp01-contratos-clientes/ITERACION02_TP01/S01/PPT I02 SI01 SRS v1.pptx
+++ b/ tsp01-contratos-clientes/ITERACION02_TP01/S01/PPT I02 SI01 SRS v1.pptx
@@ -23,20 +23,20 @@
     <p:sldId id="276" r:id="rId14"/>
     <p:sldId id="268" r:id="rId15"/>
     <p:sldId id="281" r:id="rId16"/>
-    <p:sldId id="282" r:id="rId17"/>
-    <p:sldId id="277" r:id="rId18"/>
-    <p:sldId id="259" r:id="rId19"/>
-    <p:sldId id="284" r:id="rId20"/>
-    <p:sldId id="283" r:id="rId21"/>
-    <p:sldId id="285" r:id="rId22"/>
-    <p:sldId id="286" r:id="rId23"/>
-    <p:sldId id="287" r:id="rId24"/>
-    <p:sldId id="288" r:id="rId25"/>
-    <p:sldId id="289" r:id="rId26"/>
-    <p:sldId id="290" r:id="rId27"/>
-    <p:sldId id="291" r:id="rId28"/>
-    <p:sldId id="294" r:id="rId29"/>
-    <p:sldId id="293" r:id="rId30"/>
+    <p:sldId id="300" r:id="rId17"/>
+    <p:sldId id="282" r:id="rId18"/>
+    <p:sldId id="277" r:id="rId19"/>
+    <p:sldId id="259" r:id="rId20"/>
+    <p:sldId id="284" r:id="rId21"/>
+    <p:sldId id="283" r:id="rId22"/>
+    <p:sldId id="285" r:id="rId23"/>
+    <p:sldId id="286" r:id="rId24"/>
+    <p:sldId id="287" r:id="rId25"/>
+    <p:sldId id="288" r:id="rId26"/>
+    <p:sldId id="289" r:id="rId27"/>
+    <p:sldId id="290" r:id="rId28"/>
+    <p:sldId id="291" r:id="rId29"/>
+    <p:sldId id="294" r:id="rId30"/>
     <p:sldId id="295" r:id="rId31"/>
     <p:sldId id="296" r:id="rId32"/>
     <p:sldId id="297" r:id="rId33"/>
@@ -280,7 +280,7 @@
               <a:pPr>
                 <a:defRPr/>
               </a:pPr>
-              <a:t>03/06/2012</a:t>
+              <a:t>04/06/2012</a:t>
             </a:fld>
             <a:endParaRPr lang="es-PE"/>
           </a:p>
@@ -476,7 +476,7 @@
     </p:spTree>
     <p:extLst>
       <p:ext uri="{BB962C8B-B14F-4D97-AF65-F5344CB8AC3E}">
-        <p14:creationId xmlns="" xmlns:p14="http://schemas.microsoft.com/office/powerpoint/2010/main" val="449056668"/>
+        <p14:creationId xmlns:p14="http://schemas.microsoft.com/office/powerpoint/2010/main" xmlns="" val="449056668"/>
       </p:ext>
     </p:extLst>
   </p:cSld>
@@ -2599,7 +2599,7 @@
               <a:pPr>
                 <a:defRPr/>
               </a:pPr>
-              <a:t>03/06/2012</a:t>
+              <a:t>04/06/2012</a:t>
             </a:fld>
             <a:endParaRPr lang="es-PE"/>
           </a:p>
@@ -2807,7 +2807,7 @@
               <a:pPr>
                 <a:defRPr/>
               </a:pPr>
-              <a:t>03/06/2012</a:t>
+              <a:t>04/06/2012</a:t>
             </a:fld>
             <a:endParaRPr lang="es-PE"/>
           </a:p>
@@ -4712,7 +4712,7 @@
               <a:pPr>
                 <a:defRPr/>
               </a:pPr>
-              <a:t>03/06/2012</a:t>
+              <a:t>04/06/2012</a:t>
             </a:fld>
             <a:endParaRPr lang="es-PE"/>
           </a:p>
@@ -4829,7 +4829,7 @@
               <a:pPr>
                 <a:defRPr/>
               </a:pPr>
-              <a:t>03/06/2012</a:t>
+              <a:t>04/06/2012</a:t>
             </a:fld>
             <a:endParaRPr lang="es-PE"/>
           </a:p>
@@ -5021,7 +5021,7 @@
               <a:pPr>
                 <a:defRPr/>
               </a:pPr>
-              <a:t>03/06/2012</a:t>
+              <a:t>04/06/2012</a:t>
             </a:fld>
             <a:endParaRPr lang="es-PE"/>
           </a:p>
@@ -6938,7 +6938,7 @@
               <a:pPr>
                 <a:defRPr/>
               </a:pPr>
-              <a:t>03/06/2012</a:t>
+              <a:t>04/06/2012</a:t>
             </a:fld>
             <a:endParaRPr lang="es-PE"/>
           </a:p>
@@ -7192,7 +7192,7 @@
               <a:pPr>
                 <a:defRPr/>
               </a:pPr>
-              <a:t>03/06/2012</a:t>
+              <a:t>04/06/2012</a:t>
             </a:fld>
             <a:endParaRPr lang="es-PE"/>
           </a:p>
@@ -7646,7 +7646,7 @@
               <a:pPr>
                 <a:defRPr/>
               </a:pPr>
-              <a:t>03/06/2012</a:t>
+              <a:t>04/06/2012</a:t>
             </a:fld>
             <a:endParaRPr lang="es-PE"/>
           </a:p>
@@ -7786,7 +7786,7 @@
               <a:pPr>
                 <a:defRPr/>
               </a:pPr>
-              <a:t>03/06/2012</a:t>
+              <a:t>04/06/2012</a:t>
             </a:fld>
             <a:endParaRPr lang="es-PE"/>
           </a:p>
@@ -9567,7 +9567,7 @@
               <a:pPr>
                 <a:defRPr/>
               </a:pPr>
-              <a:t>03/06/2012</a:t>
+              <a:t>04/06/2012</a:t>
             </a:fld>
             <a:endParaRPr lang="es-PE"/>
           </a:p>
@@ -11583,7 +11583,7 @@
               <a:pPr>
                 <a:defRPr/>
               </a:pPr>
-              <a:t>03/06/2012</a:t>
+              <a:t>04/06/2012</a:t>
             </a:fld>
             <a:endParaRPr lang="es-PE"/>
           </a:p>
@@ -13570,7 +13570,7 @@
               <a:pPr>
                 <a:defRPr/>
               </a:pPr>
-              <a:t>03/06/2012</a:t>
+              <a:t>04/06/2012</a:t>
             </a:fld>
             <a:endParaRPr lang="es-PE"/>
           </a:p>
@@ -15418,7 +15418,7 @@
               <a:pPr>
                 <a:defRPr/>
               </a:pPr>
-              <a:t>03/06/2012</a:t>
+              <a:t>04/06/2012</a:t>
             </a:fld>
             <a:endParaRPr lang="es-PE"/>
           </a:p>
@@ -16035,11 +16035,7 @@
             <a:pPr eaLnBrk="1" hangingPunct="1"/>
             <a:r>
               <a:rPr lang="es-PE" dirty="0" smtClean="0"/>
-              <a:t>GESTION DE CONTRATOS </a:t>
-            </a:r>
-            <a:r>
-              <a:rPr lang="es-PE" dirty="0" smtClean="0"/>
-              <a:t>DE CLIENTES</a:t>
+              <a:t>GESTION DE CONTRATOS DE CLIENTES</a:t>
             </a:r>
             <a:endParaRPr lang="es-PE" sz="3600" dirty="0" smtClean="0"/>
           </a:p>
@@ -16070,11 +16066,7 @@
             <a:pPr eaLnBrk="1" hangingPunct="1"/>
             <a:r>
               <a:rPr lang="es-PE" sz="2800" dirty="0" smtClean="0"/>
-              <a:t>MODELADO DEL </a:t>
-            </a:r>
-            <a:r>
-              <a:rPr lang="es-PE" sz="2800" dirty="0" smtClean="0"/>
-              <a:t>NEGOCIO</a:t>
+              <a:t>MODELADO DEL NEGOCIO</a:t>
             </a:r>
           </a:p>
           <a:p>
@@ -16083,7 +16075,6 @@
               <a:rPr lang="es-PE" sz="2800" dirty="0" smtClean="0"/>
               <a:t>REQUERIMIENTOS</a:t>
             </a:r>
-            <a:endParaRPr lang="es-PE" sz="2800" dirty="0" smtClean="0"/>
           </a:p>
         </p:txBody>
       </p:sp>
@@ -17746,7 +17737,7 @@
       </p:pic>
       <p:pic>
         <p:nvPicPr>
-          <p:cNvPr id="8195" name="Picture 3"/>
+          <p:cNvPr id="2050" name="Picture 2"/>
           <p:cNvPicPr>
             <a:picLocks noChangeAspect="1" noChangeArrowheads="1"/>
           </p:cNvPicPr>
@@ -17761,8 +17752,8 @@
         </p:blipFill>
         <p:spPr bwMode="auto">
           <a:xfrm>
-            <a:off x="827584" y="4869160"/>
-            <a:ext cx="1581150" cy="1114425"/>
+            <a:off x="395536" y="4941168"/>
+            <a:ext cx="2303463" cy="1444625"/>
           </a:xfrm>
           <a:prstGeom prst="rect">
             <a:avLst/>
@@ -17774,6 +17765,7 @@
             <a:headEnd/>
             <a:tailEnd/>
           </a:ln>
+          <a:effectLst/>
         </p:spPr>
       </p:pic>
     </p:spTree>
@@ -17936,7 +17928,7 @@
       </p:graphicFrame>
       <p:pic>
         <p:nvPicPr>
-          <p:cNvPr id="9218" name="Picture 2"/>
+          <p:cNvPr id="1026" name="Picture 2"/>
           <p:cNvPicPr>
             <a:picLocks noChangeAspect="1" noChangeArrowheads="1"/>
           </p:cNvPicPr>
@@ -17951,8 +17943,8 @@
         </p:blipFill>
         <p:spPr bwMode="auto">
           <a:xfrm>
-            <a:off x="611560" y="3087613"/>
-            <a:ext cx="1828800" cy="1133475"/>
+            <a:off x="539552" y="2924944"/>
+            <a:ext cx="1908175" cy="1444625"/>
           </a:xfrm>
           <a:prstGeom prst="rect">
             <a:avLst/>
@@ -17964,11 +17956,12 @@
             <a:headEnd/>
             <a:tailEnd/>
           </a:ln>
+          <a:effectLst/>
         </p:spPr>
       </p:pic>
       <p:pic>
         <p:nvPicPr>
-          <p:cNvPr id="9219" name="Picture 3"/>
+          <p:cNvPr id="1027" name="Picture 3"/>
           <p:cNvPicPr>
             <a:picLocks noChangeAspect="1" noChangeArrowheads="1"/>
           </p:cNvPicPr>
@@ -17983,7 +17976,198 @@
         </p:blipFill>
         <p:spPr bwMode="auto">
           <a:xfrm>
-            <a:off x="899592" y="4581128"/>
+            <a:off x="539552" y="4504655"/>
+            <a:ext cx="1951037" cy="1444625"/>
+          </a:xfrm>
+          <a:prstGeom prst="rect">
+            <a:avLst/>
+          </a:prstGeom>
+          <a:noFill/>
+          <a:ln w="9525">
+            <a:noFill/>
+            <a:miter lim="800000"/>
+            <a:headEnd/>
+            <a:tailEnd/>
+          </a:ln>
+          <a:effectLst/>
+        </p:spPr>
+      </p:pic>
+    </p:spTree>
+  </p:cSld>
+  <p:clrMapOvr>
+    <a:masterClrMapping/>
+  </p:clrMapOvr>
+  <p:timing>
+    <p:tnLst>
+      <p:par>
+        <p:cTn id="1" dur="indefinite" restart="never" nodeType="tmRoot"/>
+      </p:par>
+    </p:tnLst>
+  </p:timing>
+</p:sld>
+</file>
+
+<file path=ppt/slides/slide16.xml><?xml version="1.0" encoding="utf-8"?>
+<p:sld xmlns:a="http://schemas.openxmlformats.org/drawingml/2006/main" xmlns:r="http://schemas.openxmlformats.org/officeDocument/2006/relationships" xmlns:p="http://schemas.openxmlformats.org/presentationml/2006/main">
+  <p:cSld>
+    <p:spTree>
+      <p:nvGrpSpPr>
+        <p:cNvPr id="1" name=""/>
+        <p:cNvGrpSpPr/>
+        <p:nvPr/>
+      </p:nvGrpSpPr>
+      <p:grpSpPr>
+        <a:xfrm>
+          <a:off x="0" y="0"/>
+          <a:ext cx="0" cy="0"/>
+          <a:chOff x="0" y="0"/>
+          <a:chExt cx="0" cy="0"/>
+        </a:xfrm>
+      </p:grpSpPr>
+      <p:sp>
+        <p:nvSpPr>
+          <p:cNvPr id="3" name="2 Título"/>
+          <p:cNvSpPr>
+            <a:spLocks noGrp="1"/>
+          </p:cNvSpPr>
+          <p:nvPr>
+            <p:ph type="title"/>
+          </p:nvPr>
+        </p:nvSpPr>
+        <p:spPr/>
+        <p:txBody>
+          <a:bodyPr rtlCol="0">
+            <a:normAutofit fontScale="90000"/>
+          </a:bodyPr>
+          <a:lstStyle/>
+          <a:p>
+            <a:pPr eaLnBrk="1" fontAlgn="auto" hangingPunct="1">
+              <a:spcAft>
+                <a:spcPts val="0"/>
+              </a:spcAft>
+              <a:defRPr/>
+            </a:pPr>
+            <a:r>
+              <a:rPr lang="es-PE" dirty="0" smtClean="0"/>
+              <a:t>ESPECIFICACION DE ACTORES DEL NEGOCIO (Contratos de Clientes)</a:t>
+            </a:r>
+            <a:endParaRPr lang="es-PE" dirty="0"/>
+          </a:p>
+        </p:txBody>
+      </p:sp>
+      <p:graphicFrame>
+        <p:nvGraphicFramePr>
+          <p:cNvPr id="9" name="8 Tabla"/>
+          <p:cNvGraphicFramePr>
+            <a:graphicFrameLocks noGrp="1"/>
+          </p:cNvGraphicFramePr>
+          <p:nvPr/>
+        </p:nvGraphicFramePr>
+        <p:xfrm>
+          <a:off x="323850" y="2852936"/>
+          <a:ext cx="8568952" cy="3096344"/>
+        </p:xfrm>
+        <a:graphic>
+          <a:graphicData uri="http://schemas.openxmlformats.org/drawingml/2006/table">
+            <a:tbl>
+              <a:tblPr firstRow="1" bandRow="1">
+                <a:tableStyleId>{BC89EF96-8CEA-46FF-86C4-4CE0E7609802}</a:tableStyleId>
+              </a:tblPr>
+              <a:tblGrid>
+                <a:gridCol w="2427870"/>
+                <a:gridCol w="6141082"/>
+              </a:tblGrid>
+              <a:tr h="1584176">
+                <a:tc>
+                  <a:txBody>
+                    <a:bodyPr/>
+                    <a:lstStyle/>
+                    <a:p>
+                      <a:endParaRPr lang="es-ES" dirty="0"/>
+                    </a:p>
+                  </a:txBody>
+                  <a:tcPr/>
+                </a:tc>
+                <a:tc>
+                  <a:txBody>
+                    <a:bodyPr/>
+                    <a:lstStyle/>
+                    <a:p>
+                      <a:pPr marL="0" marR="0" indent="0" algn="just" defTabSz="914400" rtl="0" eaLnBrk="1" fontAlgn="auto" latinLnBrk="0" hangingPunct="1">
+                        <a:lnSpc>
+                          <a:spcPct val="100000"/>
+                        </a:lnSpc>
+                        <a:spcBef>
+                          <a:spcPts val="0"/>
+                        </a:spcBef>
+                        <a:spcAft>
+                          <a:spcPts val="0"/>
+                        </a:spcAft>
+                        <a:buClrTx/>
+                        <a:buSzTx/>
+                        <a:buFontTx/>
+                        <a:buNone/>
+                        <a:tabLst/>
+                        <a:defRPr/>
+                      </a:pPr>
+                      <a:endParaRPr lang="es-PE" b="0" dirty="0" smtClean="0"/>
+                    </a:p>
+                  </a:txBody>
+                  <a:tcPr/>
+                </a:tc>
+              </a:tr>
+              <a:tr h="1512168">
+                <a:tc>
+                  <a:txBody>
+                    <a:bodyPr/>
+                    <a:lstStyle/>
+                    <a:p>
+                      <a:endParaRPr lang="es-ES" dirty="0"/>
+                    </a:p>
+                  </a:txBody>
+                  <a:tcPr/>
+                </a:tc>
+                <a:tc>
+                  <a:txBody>
+                    <a:bodyPr/>
+                    <a:lstStyle/>
+                    <a:p>
+                      <a:pPr algn="just"/>
+                      <a:endParaRPr lang="es-ES" sz="1800" b="0" kern="1200" dirty="0" smtClean="0">
+                        <a:solidFill>
+                          <a:schemeClr val="tx1"/>
+                        </a:solidFill>
+                        <a:latin typeface="+mn-lt"/>
+                        <a:ea typeface="+mn-ea"/>
+                        <a:cs typeface="+mn-cs"/>
+                      </a:endParaRPr>
+                    </a:p>
+                  </a:txBody>
+                  <a:tcPr/>
+                </a:tc>
+              </a:tr>
+            </a:tbl>
+          </a:graphicData>
+        </a:graphic>
+      </p:graphicFrame>
+      <p:pic>
+        <p:nvPicPr>
+          <p:cNvPr id="9219" name="Picture 3"/>
+          <p:cNvPicPr>
+            <a:picLocks noChangeAspect="1" noChangeArrowheads="1"/>
+          </p:cNvPicPr>
+          <p:nvPr/>
+        </p:nvPicPr>
+        <p:blipFill>
+          <a:blip r:embed="rId2" cstate="print"/>
+          <a:srcRect/>
+          <a:stretch>
+            <a:fillRect/>
+          </a:stretch>
+        </p:blipFill>
+        <p:spPr bwMode="auto">
+          <a:xfrm>
+            <a:off x="971600" y="3140968"/>
             <a:ext cx="1181100" cy="1104900"/>
           </a:xfrm>
           <a:prstGeom prst="rect">
@@ -18013,7 +18197,7 @@
 </p:sld>
 </file>
 
-<file path=ppt/slides/slide16.xml><?xml version="1.0" encoding="utf-8"?>
+<file path=ppt/slides/slide17.xml><?xml version="1.0" encoding="utf-8"?>
 <p:sld xmlns:a="http://schemas.openxmlformats.org/drawingml/2006/main" xmlns:r="http://schemas.openxmlformats.org/officeDocument/2006/relationships" xmlns:p="http://schemas.openxmlformats.org/presentationml/2006/main">
   <p:cSld>
     <p:spTree>
@@ -18061,13 +18245,11 @@
       </p:sp>
       <p:pic>
         <p:nvPicPr>
-          <p:cNvPr id="10242" name="Picture 2"/>
+          <p:cNvPr id="3074" name="Picture 2"/>
           <p:cNvPicPr>
-            <a:picLocks noGrp="1" noChangeAspect="1" noChangeArrowheads="1"/>
+            <a:picLocks noChangeAspect="1" noChangeArrowheads="1"/>
           </p:cNvPicPr>
-          <p:nvPr>
-            <p:ph idx="1"/>
-          </p:nvPr>
+          <p:nvPr/>
         </p:nvPicPr>
         <p:blipFill>
           <a:blip r:embed="rId2" cstate="print"/>
@@ -18078,8 +18260,8 @@
         </p:blipFill>
         <p:spPr bwMode="auto">
           <a:xfrm>
-            <a:off x="755576" y="2132856"/>
-            <a:ext cx="7733639" cy="3811315"/>
+            <a:off x="133203" y="2852936"/>
+            <a:ext cx="8831285" cy="2932857"/>
           </a:xfrm>
           <a:prstGeom prst="rect">
             <a:avLst/>
@@ -18091,6 +18273,7 @@
             <a:headEnd/>
             <a:tailEnd/>
           </a:ln>
+          <a:effectLst/>
         </p:spPr>
       </p:pic>
     </p:spTree>
@@ -18101,7 +18284,7 @@
 </p:sld>
 </file>
 
-<file path=ppt/slides/slide17.xml><?xml version="1.0" encoding="utf-8"?>
+<file path=ppt/slides/slide18.xml><?xml version="1.0" encoding="utf-8"?>
 <p:sld xmlns:a="http://schemas.openxmlformats.org/drawingml/2006/main" xmlns:r="http://schemas.openxmlformats.org/officeDocument/2006/relationships" xmlns:p="http://schemas.openxmlformats.org/presentationml/2006/main">
   <p:cSld>
     <p:spTree>
@@ -18185,7 +18368,7 @@
 </p:sld>
 </file>
 
-<file path=ppt/slides/slide18.xml><?xml version="1.0" encoding="utf-8"?>
+<file path=ppt/slides/slide19.xml><?xml version="1.0" encoding="utf-8"?>
 <p:sld xmlns:a="http://schemas.openxmlformats.org/drawingml/2006/main" xmlns:r="http://schemas.openxmlformats.org/officeDocument/2006/relationships" xmlns:p="http://schemas.openxmlformats.org/presentationml/2006/main">
   <p:cSld>
     <p:spTree>
@@ -18239,7 +18422,7 @@
       </p:sp>
       <p:pic>
         <p:nvPicPr>
-          <p:cNvPr id="1026" name="Picture 2"/>
+          <p:cNvPr id="4099" name="Picture 3"/>
           <p:cNvPicPr>
             <a:picLocks noChangeAspect="1" noChangeArrowheads="1"/>
           </p:cNvPicPr>
@@ -18254,8 +18437,8 @@
         </p:blipFill>
         <p:spPr bwMode="auto">
           <a:xfrm>
-            <a:off x="2123728" y="1700808"/>
-            <a:ext cx="4743450" cy="5057775"/>
+            <a:off x="2448770" y="1484784"/>
+            <a:ext cx="4820393" cy="5400600"/>
           </a:xfrm>
           <a:prstGeom prst="rect">
             <a:avLst/>
@@ -18267,6 +18450,7 @@
             <a:headEnd/>
             <a:tailEnd/>
           </a:ln>
+          <a:effectLst/>
         </p:spPr>
       </p:pic>
     </p:spTree>
@@ -18284,7 +18468,89 @@
 </p:sld>
 </file>
 
-<file path=ppt/slides/slide19.xml><?xml version="1.0" encoding="utf-8"?>
+<file path=ppt/slides/slide2.xml><?xml version="1.0" encoding="utf-8"?>
+<p:sld xmlns:a="http://schemas.openxmlformats.org/drawingml/2006/main" xmlns:r="http://schemas.openxmlformats.org/officeDocument/2006/relationships" xmlns:p="http://schemas.openxmlformats.org/presentationml/2006/main">
+  <p:cSld>
+    <p:spTree>
+      <p:nvGrpSpPr>
+        <p:cNvPr id="1" name=""/>
+        <p:cNvGrpSpPr/>
+        <p:nvPr/>
+      </p:nvGrpSpPr>
+      <p:grpSpPr>
+        <a:xfrm>
+          <a:off x="0" y="0"/>
+          <a:ext cx="0" cy="0"/>
+          <a:chOff x="0" y="0"/>
+          <a:chExt cx="0" cy="0"/>
+        </a:xfrm>
+      </p:grpSpPr>
+      <p:sp>
+        <p:nvSpPr>
+          <p:cNvPr id="3" name="2 Título"/>
+          <p:cNvSpPr>
+            <a:spLocks noGrp="1"/>
+          </p:cNvSpPr>
+          <p:nvPr>
+            <p:ph type="title" idx="4294967295"/>
+          </p:nvPr>
+        </p:nvSpPr>
+        <p:spPr>
+          <a:xfrm>
+            <a:off x="611188" y="2420888"/>
+            <a:ext cx="8229600" cy="1684387"/>
+          </a:xfrm>
+        </p:spPr>
+        <p:txBody>
+          <a:bodyPr>
+            <a:noAutofit/>
+          </a:bodyPr>
+          <a:lstStyle/>
+          <a:p>
+            <a:pPr eaLnBrk="1" hangingPunct="1"/>
+            <a:r>
+              <a:rPr lang="es-PE" sz="4000" b="1" dirty="0" smtClean="0">
+                <a:solidFill>
+                  <a:schemeClr val="tx1"/>
+                </a:solidFill>
+              </a:rPr>
+              <a:t>MODELO </a:t>
+            </a:r>
+            <a:r>
+              <a:rPr lang="es-PE" sz="4000" b="1" dirty="0">
+                <a:solidFill>
+                  <a:schemeClr val="tx1"/>
+                </a:solidFill>
+              </a:rPr>
+              <a:t>DE CASOS DE USO DEL NEGOCIO</a:t>
+            </a:r>
+            <a:br>
+              <a:rPr lang="es-PE" sz="4000" b="1" dirty="0">
+                <a:solidFill>
+                  <a:schemeClr val="tx1"/>
+                </a:solidFill>
+              </a:rPr>
+            </a:br>
+            <a:r>
+              <a:rPr lang="es-PE" sz="4000" b="1" dirty="0">
+                <a:solidFill>
+                  <a:schemeClr val="tx1"/>
+                </a:solidFill>
+              </a:rPr>
+              <a:t>(Contratos de Clientes)</a:t>
+            </a:r>
+          </a:p>
+        </p:txBody>
+      </p:sp>
+    </p:spTree>
+  </p:cSld>
+  <p:clrMapOvr>
+    <a:masterClrMapping/>
+  </p:clrMapOvr>
+</p:sld>
+</file>
+
+<file path=ppt/slides/slide20.xml><?xml version="1.0" encoding="utf-8"?>
 <p:sld xmlns:a="http://schemas.openxmlformats.org/drawingml/2006/main" xmlns:r="http://schemas.openxmlformats.org/officeDocument/2006/relationships" xmlns:p="http://schemas.openxmlformats.org/presentationml/2006/main">
   <p:cSld>
     <p:spTree>
@@ -18624,89 +18890,7 @@
 </p:sld>
 </file>
 
-<file path=ppt/slides/slide2.xml><?xml version="1.0" encoding="utf-8"?>
-<p:sld xmlns:a="http://schemas.openxmlformats.org/drawingml/2006/main" xmlns:r="http://schemas.openxmlformats.org/officeDocument/2006/relationships" xmlns:p="http://schemas.openxmlformats.org/presentationml/2006/main">
-  <p:cSld>
-    <p:spTree>
-      <p:nvGrpSpPr>
-        <p:cNvPr id="1" name=""/>
-        <p:cNvGrpSpPr/>
-        <p:nvPr/>
-      </p:nvGrpSpPr>
-      <p:grpSpPr>
-        <a:xfrm>
-          <a:off x="0" y="0"/>
-          <a:ext cx="0" cy="0"/>
-          <a:chOff x="0" y="0"/>
-          <a:chExt cx="0" cy="0"/>
-        </a:xfrm>
-      </p:grpSpPr>
-      <p:sp>
-        <p:nvSpPr>
-          <p:cNvPr id="3" name="2 Título"/>
-          <p:cNvSpPr>
-            <a:spLocks noGrp="1"/>
-          </p:cNvSpPr>
-          <p:nvPr>
-            <p:ph type="title" idx="4294967295"/>
-          </p:nvPr>
-        </p:nvSpPr>
-        <p:spPr>
-          <a:xfrm>
-            <a:off x="611188" y="2420888"/>
-            <a:ext cx="8229600" cy="1684387"/>
-          </a:xfrm>
-        </p:spPr>
-        <p:txBody>
-          <a:bodyPr>
-            <a:noAutofit/>
-          </a:bodyPr>
-          <a:lstStyle/>
-          <a:p>
-            <a:pPr eaLnBrk="1" hangingPunct="1"/>
-            <a:r>
-              <a:rPr lang="es-PE" sz="4000" b="1" dirty="0" smtClean="0">
-                <a:solidFill>
-                  <a:schemeClr val="tx1"/>
-                </a:solidFill>
-              </a:rPr>
-              <a:t>MODELO </a:t>
-            </a:r>
-            <a:r>
-              <a:rPr lang="es-PE" sz="4000" b="1" dirty="0">
-                <a:solidFill>
-                  <a:schemeClr val="tx1"/>
-                </a:solidFill>
-              </a:rPr>
-              <a:t>DE CASOS DE USO DEL NEGOCIO</a:t>
-            </a:r>
-            <a:br>
-              <a:rPr lang="es-PE" sz="4000" b="1" dirty="0">
-                <a:solidFill>
-                  <a:schemeClr val="tx1"/>
-                </a:solidFill>
-              </a:rPr>
-            </a:br>
-            <a:r>
-              <a:rPr lang="es-PE" sz="4000" b="1" dirty="0">
-                <a:solidFill>
-                  <a:schemeClr val="tx1"/>
-                </a:solidFill>
-              </a:rPr>
-              <a:t>(Contratos de Clientes)</a:t>
-            </a:r>
-          </a:p>
-        </p:txBody>
-      </p:sp>
-    </p:spTree>
-  </p:cSld>
-  <p:clrMapOvr>
-    <a:masterClrMapping/>
-  </p:clrMapOvr>
-</p:sld>
-</file>
-
-<file path=ppt/slides/slide20.xml><?xml version="1.0" encoding="utf-8"?>
+<file path=ppt/slides/slide21.xml><?xml version="1.0" encoding="utf-8"?>
 <p:sld xmlns:a="http://schemas.openxmlformats.org/drawingml/2006/main" xmlns:r="http://schemas.openxmlformats.org/officeDocument/2006/relationships" xmlns:p="http://schemas.openxmlformats.org/presentationml/2006/main">
   <p:cSld>
     <p:spTree>
@@ -18790,7 +18974,7 @@
 </p:sld>
 </file>
 
-<file path=ppt/slides/slide21.xml><?xml version="1.0" encoding="utf-8"?>
+<file path=ppt/slides/slide22.xml><?xml version="1.0" encoding="utf-8"?>
 <p:sld xmlns:a="http://schemas.openxmlformats.org/drawingml/2006/main" xmlns:r="http://schemas.openxmlformats.org/officeDocument/2006/relationships" xmlns:p="http://schemas.openxmlformats.org/presentationml/2006/main">
   <p:cSld>
     <p:spTree>
@@ -19110,7 +19294,7 @@
 </p:sld>
 </file>
 
-<file path=ppt/slides/slide22.xml><?xml version="1.0" encoding="utf-8"?>
+<file path=ppt/slides/slide23.xml><?xml version="1.0" encoding="utf-8"?>
 <p:sld xmlns:a="http://schemas.openxmlformats.org/drawingml/2006/main" xmlns:r="http://schemas.openxmlformats.org/officeDocument/2006/relationships" xmlns:p="http://schemas.openxmlformats.org/presentationml/2006/main">
   <p:cSld>
     <p:spTree>
@@ -19194,7 +19378,7 @@
 </p:sld>
 </file>
 
-<file path=ppt/slides/slide23.xml><?xml version="1.0" encoding="utf-8"?>
+<file path=ppt/slides/slide24.xml><?xml version="1.0" encoding="utf-8"?>
 <p:sld xmlns:a="http://schemas.openxmlformats.org/drawingml/2006/main" xmlns:r="http://schemas.openxmlformats.org/officeDocument/2006/relationships" xmlns:p="http://schemas.openxmlformats.org/presentationml/2006/main">
   <p:cSld>
     <p:spTree>
@@ -20121,7 +20305,7 @@
 </p:sld>
 </file>
 
-<file path=ppt/slides/slide24.xml><?xml version="1.0" encoding="utf-8"?>
+<file path=ppt/slides/slide25.xml><?xml version="1.0" encoding="utf-8"?>
 <p:sld xmlns:a="http://schemas.openxmlformats.org/drawingml/2006/main" xmlns:r="http://schemas.openxmlformats.org/officeDocument/2006/relationships" xmlns:p="http://schemas.openxmlformats.org/presentationml/2006/main">
   <p:cSld>
     <p:spTree>
@@ -21022,7 +21206,7 @@
 </p:sld>
 </file>
 
-<file path=ppt/slides/slide25.xml><?xml version="1.0" encoding="utf-8"?>
+<file path=ppt/slides/slide26.xml><?xml version="1.0" encoding="utf-8"?>
 <p:sld xmlns:a="http://schemas.openxmlformats.org/drawingml/2006/main" xmlns:r="http://schemas.openxmlformats.org/officeDocument/2006/relationships" xmlns:p="http://schemas.openxmlformats.org/presentationml/2006/main">
   <p:cSld>
     <p:spTree>
@@ -21897,7 +22081,7 @@
 </p:sld>
 </file>
 
-<file path=ppt/slides/slide26.xml><?xml version="1.0" encoding="utf-8"?>
+<file path=ppt/slides/slide27.xml><?xml version="1.0" encoding="utf-8"?>
 <p:sld xmlns:a="http://schemas.openxmlformats.org/drawingml/2006/main" xmlns:r="http://schemas.openxmlformats.org/officeDocument/2006/relationships" xmlns:p="http://schemas.openxmlformats.org/presentationml/2006/main">
   <p:cSld>
     <p:spTree>
@@ -22772,7 +22956,7 @@
 </p:sld>
 </file>
 
-<file path=ppt/slides/slide27.xml><?xml version="1.0" encoding="utf-8"?>
+<file path=ppt/slides/slide28.xml><?xml version="1.0" encoding="utf-8"?>
 <p:sld xmlns:a="http://schemas.openxmlformats.org/drawingml/2006/main" xmlns:r="http://schemas.openxmlformats.org/officeDocument/2006/relationships" xmlns:p="http://schemas.openxmlformats.org/presentationml/2006/main">
   <p:cSld>
     <p:spTree>
@@ -23255,7 +23439,7 @@
 </p:sld>
 </file>
 
-<file path=ppt/slides/slide28.xml><?xml version="1.0" encoding="utf-8"?>
+<file path=ppt/slides/slide29.xml><?xml version="1.0" encoding="utf-8"?>
 <p:sld xmlns:a="http://schemas.openxmlformats.org/drawingml/2006/main" xmlns:r="http://schemas.openxmlformats.org/officeDocument/2006/relationships" xmlns:p="http://schemas.openxmlformats.org/presentationml/2006/main">
   <p:cSld>
     <p:spTree>
@@ -23336,90 +23520,6 @@
       </p:par>
     </p:tnLst>
   </p:timing>
-</p:sld>
-</file>
-
-<file path=ppt/slides/slide29.xml><?xml version="1.0" encoding="utf-8"?>
-<p:sld xmlns:a="http://schemas.openxmlformats.org/drawingml/2006/main" xmlns:r="http://schemas.openxmlformats.org/officeDocument/2006/relationships" xmlns:p="http://schemas.openxmlformats.org/presentationml/2006/main">
-  <p:cSld>
-    <p:spTree>
-      <p:nvGrpSpPr>
-        <p:cNvPr id="1" name=""/>
-        <p:cNvGrpSpPr/>
-        <p:nvPr/>
-      </p:nvGrpSpPr>
-      <p:grpSpPr>
-        <a:xfrm>
-          <a:off x="0" y="0"/>
-          <a:ext cx="0" cy="0"/>
-          <a:chOff x="0" y="0"/>
-          <a:chExt cx="0" cy="0"/>
-        </a:xfrm>
-      </p:grpSpPr>
-      <p:sp>
-        <p:nvSpPr>
-          <p:cNvPr id="3" name="2 Título"/>
-          <p:cNvSpPr>
-            <a:spLocks noGrp="1"/>
-          </p:cNvSpPr>
-          <p:nvPr>
-            <p:ph type="title"/>
-          </p:nvPr>
-        </p:nvSpPr>
-        <p:spPr>
-          <a:xfrm>
-            <a:off x="395536" y="2852738"/>
-            <a:ext cx="8445252" cy="1252537"/>
-          </a:xfrm>
-        </p:spPr>
-        <p:txBody>
-          <a:bodyPr rtlCol="0">
-            <a:noAutofit/>
-          </a:bodyPr>
-          <a:lstStyle/>
-          <a:p>
-            <a:pPr eaLnBrk="1" fontAlgn="auto" hangingPunct="1">
-              <a:spcAft>
-                <a:spcPts val="0"/>
-              </a:spcAft>
-              <a:defRPr/>
-            </a:pPr>
-            <a:r>
-              <a:rPr lang="es-PE" sz="4000" b="1" dirty="0" smtClean="0">
-                <a:solidFill>
-                  <a:schemeClr val="tx1"/>
-                </a:solidFill>
-              </a:rPr>
-              <a:t>DIAGRAMA DE CLASES DEL NEGOCIO</a:t>
-            </a:r>
-            <a:br>
-              <a:rPr lang="es-PE" sz="4000" b="1" dirty="0" smtClean="0">
-                <a:solidFill>
-                  <a:schemeClr val="tx1"/>
-                </a:solidFill>
-              </a:rPr>
-            </a:br>
-            <a:r>
-              <a:rPr lang="es-PE" sz="4000" b="1" dirty="0" smtClean="0">
-                <a:solidFill>
-                  <a:schemeClr val="tx1"/>
-                </a:solidFill>
-              </a:rPr>
-              <a:t>(Contratos de Clientes)</a:t>
-            </a:r>
-            <a:endParaRPr lang="es-PE" sz="4000" b="1" dirty="0">
-              <a:solidFill>
-                <a:schemeClr val="tx1"/>
-              </a:solidFill>
-            </a:endParaRPr>
-          </a:p>
-        </p:txBody>
-      </p:sp>
-    </p:spTree>
-  </p:cSld>
-  <p:clrMapOvr>
-    <a:masterClrMapping/>
-  </p:clrMapOvr>
 </p:sld>
 </file>
 
@@ -25510,11 +25610,7 @@
             <a:pPr eaLnBrk="1" hangingPunct="1"/>
             <a:r>
               <a:rPr lang="es-PE" dirty="0" smtClean="0"/>
-              <a:t>GESTION DE CONTRATOS </a:t>
-            </a:r>
-            <a:r>
-              <a:rPr lang="es-PE" dirty="0" smtClean="0"/>
-              <a:t>DE CLIENTES</a:t>
+              <a:t>GESTION DE CONTRATOS DE CLIENTES</a:t>
             </a:r>
             <a:endParaRPr lang="es-PE" sz="3600" dirty="0" smtClean="0"/>
           </a:p>
@@ -25545,11 +25641,7 @@
             <a:pPr eaLnBrk="1" hangingPunct="1"/>
             <a:r>
               <a:rPr lang="es-PE" sz="2800" dirty="0" smtClean="0"/>
-              <a:t>MODELADO DEL </a:t>
-            </a:r>
-            <a:r>
-              <a:rPr lang="es-PE" sz="2800" dirty="0" smtClean="0"/>
-              <a:t>NEGOCIO</a:t>
+              <a:t>MODELADO DEL NEGOCIO</a:t>
             </a:r>
           </a:p>
           <a:p>
@@ -25558,7 +25650,6 @@
               <a:rPr lang="es-PE" sz="2800" dirty="0" smtClean="0"/>
               <a:t>REQUERIMIENTOS</a:t>
             </a:r>
-            <a:endParaRPr lang="es-PE" sz="2800" dirty="0" smtClean="0"/>
           </a:p>
         </p:txBody>
       </p:sp>
